--- a/ppt 16-9/0805.在基督耶稣里.pptx
+++ b/ppt 16-9/0805.在基督耶稣里.pptx
@@ -5,7 +5,7 @@
     <p:sldMasterId id="2147483648" r:id="rId1"/>
   </p:sldMasterIdLst>
   <p:sldIdLst>
-    <p:sldId id="2076" r:id="rId2"/>
+    <p:sldId id="2077" r:id="rId2"/>
   </p:sldIdLst>
   <p:sldSz cx="12192000" cy="6858000"/>
   <p:notesSz cx="6858000" cy="9144000"/>
@@ -129,7 +129,7 @@
           <p:cNvPr id="2" name="标题 1">
             <a:extLst>
               <a:ext uri="{FF2B5EF4-FFF2-40B4-BE49-F238E27FC236}">
-                <a16:creationId xmlns:a16="http://schemas.microsoft.com/office/drawing/2014/main" id="{D7CDF6E0-0373-47B2-57CE-924B609C247D}"/>
+                <a16:creationId xmlns:a16="http://schemas.microsoft.com/office/drawing/2014/main" id="{122889FB-3B2F-B694-B30B-C47FD7D32811}"/>
               </a:ext>
             </a:extLst>
           </p:cNvPr>
@@ -166,7 +166,7 @@
           <p:cNvPr id="3" name="副标题 2">
             <a:extLst>
               <a:ext uri="{FF2B5EF4-FFF2-40B4-BE49-F238E27FC236}">
-                <a16:creationId xmlns:a16="http://schemas.microsoft.com/office/drawing/2014/main" id="{352110A3-1D4D-C63B-7024-344A50908E2E}"/>
+                <a16:creationId xmlns:a16="http://schemas.microsoft.com/office/drawing/2014/main" id="{A6658A32-E96A-A436-9151-D2A05D8E4055}"/>
               </a:ext>
             </a:extLst>
           </p:cNvPr>
@@ -236,7 +236,7 @@
           <p:cNvPr id="4" name="日期占位符 3">
             <a:extLst>
               <a:ext uri="{FF2B5EF4-FFF2-40B4-BE49-F238E27FC236}">
-                <a16:creationId xmlns:a16="http://schemas.microsoft.com/office/drawing/2014/main" id="{5BDD04C7-CDA0-EBD7-1F0F-A658C69B2E3D}"/>
+                <a16:creationId xmlns:a16="http://schemas.microsoft.com/office/drawing/2014/main" id="{F7085CF7-6D88-F40A-1F07-07EC04487795}"/>
               </a:ext>
             </a:extLst>
           </p:cNvPr>
@@ -252,7 +252,7 @@
           <a:bodyPr/>
           <a:lstStyle/>
           <a:p>
-            <a:fld id="{E7060479-D5E1-4F84-A14D-300A39CF2BCF}" type="datetimeFigureOut">
+            <a:fld id="{B0ADADDF-C079-4DCF-8664-5780F1C0250F}" type="datetimeFigureOut">
               <a:rPr lang="zh-CN" altLang="en-US" smtClean="0"/>
               <a:t>2024/3/10</a:t>
             </a:fld>
@@ -265,7 +265,7 @@
           <p:cNvPr id="5" name="页脚占位符 4">
             <a:extLst>
               <a:ext uri="{FF2B5EF4-FFF2-40B4-BE49-F238E27FC236}">
-                <a16:creationId xmlns:a16="http://schemas.microsoft.com/office/drawing/2014/main" id="{6A1BAA98-8734-17CA-384F-FE76F6EF148F}"/>
+                <a16:creationId xmlns:a16="http://schemas.microsoft.com/office/drawing/2014/main" id="{B4C19216-76CA-41FE-32CE-C97DD8C04FDA}"/>
               </a:ext>
             </a:extLst>
           </p:cNvPr>
@@ -290,7 +290,7 @@
           <p:cNvPr id="6" name="灯片编号占位符 5">
             <a:extLst>
               <a:ext uri="{FF2B5EF4-FFF2-40B4-BE49-F238E27FC236}">
-                <a16:creationId xmlns:a16="http://schemas.microsoft.com/office/drawing/2014/main" id="{E3CA9AA2-2DC3-014D-DB8F-34C99DF0E74B}"/>
+                <a16:creationId xmlns:a16="http://schemas.microsoft.com/office/drawing/2014/main" id="{1A229306-F83E-2A13-3C0B-D21D602797E6}"/>
               </a:ext>
             </a:extLst>
           </p:cNvPr>
@@ -306,7 +306,7 @@
           <a:bodyPr/>
           <a:lstStyle/>
           <a:p>
-            <a:fld id="{83960BAF-8259-42CF-BFAD-F8A63A28FCEF}" type="slidenum">
+            <a:fld id="{4E0C23A7-FD5B-4BDF-9598-E395A351227F}" type="slidenum">
               <a:rPr lang="zh-CN" altLang="en-US" smtClean="0"/>
               <a:t>‹#›</a:t>
             </a:fld>
@@ -317,7 +317,7 @@
     </p:spTree>
     <p:extLst>
       <p:ext uri="{BB962C8B-B14F-4D97-AF65-F5344CB8AC3E}">
-        <p14:creationId xmlns:p14="http://schemas.microsoft.com/office/powerpoint/2010/main" val="2216839776"/>
+        <p14:creationId xmlns:p14="http://schemas.microsoft.com/office/powerpoint/2010/main" val="3731827133"/>
       </p:ext>
     </p:extLst>
   </p:cSld>
@@ -349,7 +349,7 @@
           <p:cNvPr id="2" name="标题 1">
             <a:extLst>
               <a:ext uri="{FF2B5EF4-FFF2-40B4-BE49-F238E27FC236}">
-                <a16:creationId xmlns:a16="http://schemas.microsoft.com/office/drawing/2014/main" id="{64014BDE-A5CA-9C78-1479-58AF2AC5993F}"/>
+                <a16:creationId xmlns:a16="http://schemas.microsoft.com/office/drawing/2014/main" id="{4536D8E9-B675-AA0F-B418-C33C6AD86874}"/>
               </a:ext>
             </a:extLst>
           </p:cNvPr>
@@ -377,7 +377,7 @@
           <p:cNvPr id="3" name="竖排文字占位符 2">
             <a:extLst>
               <a:ext uri="{FF2B5EF4-FFF2-40B4-BE49-F238E27FC236}">
-                <a16:creationId xmlns:a16="http://schemas.microsoft.com/office/drawing/2014/main" id="{AF2C691C-2ACD-5209-5FFD-4E5A7466F3F6}"/>
+                <a16:creationId xmlns:a16="http://schemas.microsoft.com/office/drawing/2014/main" id="{707B13C2-A4D2-77C4-D2AF-1D954CE18666}"/>
               </a:ext>
             </a:extLst>
           </p:cNvPr>
@@ -434,7 +434,7 @@
           <p:cNvPr id="4" name="日期占位符 3">
             <a:extLst>
               <a:ext uri="{FF2B5EF4-FFF2-40B4-BE49-F238E27FC236}">
-                <a16:creationId xmlns:a16="http://schemas.microsoft.com/office/drawing/2014/main" id="{59C4D615-BD49-9535-E438-6A88BD95A916}"/>
+                <a16:creationId xmlns:a16="http://schemas.microsoft.com/office/drawing/2014/main" id="{04E6C31D-F2E5-34DE-A353-88BAABFCE1CF}"/>
               </a:ext>
             </a:extLst>
           </p:cNvPr>
@@ -450,7 +450,7 @@
           <a:bodyPr/>
           <a:lstStyle/>
           <a:p>
-            <a:fld id="{E7060479-D5E1-4F84-A14D-300A39CF2BCF}" type="datetimeFigureOut">
+            <a:fld id="{B0ADADDF-C079-4DCF-8664-5780F1C0250F}" type="datetimeFigureOut">
               <a:rPr lang="zh-CN" altLang="en-US" smtClean="0"/>
               <a:t>2024/3/10</a:t>
             </a:fld>
@@ -463,7 +463,7 @@
           <p:cNvPr id="5" name="页脚占位符 4">
             <a:extLst>
               <a:ext uri="{FF2B5EF4-FFF2-40B4-BE49-F238E27FC236}">
-                <a16:creationId xmlns:a16="http://schemas.microsoft.com/office/drawing/2014/main" id="{456340B9-C68C-A21B-093B-E630C8D0EFDC}"/>
+                <a16:creationId xmlns:a16="http://schemas.microsoft.com/office/drawing/2014/main" id="{16ABF2F5-63D1-0218-E5A2-640884277D8B}"/>
               </a:ext>
             </a:extLst>
           </p:cNvPr>
@@ -488,7 +488,7 @@
           <p:cNvPr id="6" name="灯片编号占位符 5">
             <a:extLst>
               <a:ext uri="{FF2B5EF4-FFF2-40B4-BE49-F238E27FC236}">
-                <a16:creationId xmlns:a16="http://schemas.microsoft.com/office/drawing/2014/main" id="{8649AC23-E770-2478-3CC7-9AD5865AF007}"/>
+                <a16:creationId xmlns:a16="http://schemas.microsoft.com/office/drawing/2014/main" id="{4439F017-0804-45E9-1357-A34358C1B17B}"/>
               </a:ext>
             </a:extLst>
           </p:cNvPr>
@@ -504,7 +504,7 @@
           <a:bodyPr/>
           <a:lstStyle/>
           <a:p>
-            <a:fld id="{83960BAF-8259-42CF-BFAD-F8A63A28FCEF}" type="slidenum">
+            <a:fld id="{4E0C23A7-FD5B-4BDF-9598-E395A351227F}" type="slidenum">
               <a:rPr lang="zh-CN" altLang="en-US" smtClean="0"/>
               <a:t>‹#›</a:t>
             </a:fld>
@@ -515,7 +515,7 @@
     </p:spTree>
     <p:extLst>
       <p:ext uri="{BB962C8B-B14F-4D97-AF65-F5344CB8AC3E}">
-        <p14:creationId xmlns:p14="http://schemas.microsoft.com/office/powerpoint/2010/main" val="393199544"/>
+        <p14:creationId xmlns:p14="http://schemas.microsoft.com/office/powerpoint/2010/main" val="263628311"/>
       </p:ext>
     </p:extLst>
   </p:cSld>
@@ -547,7 +547,7 @@
           <p:cNvPr id="2" name="竖排标题 1">
             <a:extLst>
               <a:ext uri="{FF2B5EF4-FFF2-40B4-BE49-F238E27FC236}">
-                <a16:creationId xmlns:a16="http://schemas.microsoft.com/office/drawing/2014/main" id="{45D3FA40-DD77-7360-4304-CC5EB674F546}"/>
+                <a16:creationId xmlns:a16="http://schemas.microsoft.com/office/drawing/2014/main" id="{D9848899-94B8-2EB2-023F-47A3A6049F54}"/>
               </a:ext>
             </a:extLst>
           </p:cNvPr>
@@ -580,7 +580,7 @@
           <p:cNvPr id="3" name="竖排文字占位符 2">
             <a:extLst>
               <a:ext uri="{FF2B5EF4-FFF2-40B4-BE49-F238E27FC236}">
-                <a16:creationId xmlns:a16="http://schemas.microsoft.com/office/drawing/2014/main" id="{C5F63076-E344-A31E-525D-DDCF9B2D65B1}"/>
+                <a16:creationId xmlns:a16="http://schemas.microsoft.com/office/drawing/2014/main" id="{932F96B0-4B9C-6DEF-9F05-9064B3076118}"/>
               </a:ext>
             </a:extLst>
           </p:cNvPr>
@@ -642,7 +642,7 @@
           <p:cNvPr id="4" name="日期占位符 3">
             <a:extLst>
               <a:ext uri="{FF2B5EF4-FFF2-40B4-BE49-F238E27FC236}">
-                <a16:creationId xmlns:a16="http://schemas.microsoft.com/office/drawing/2014/main" id="{DBA5A39A-1104-1626-FEAE-1D00D31FCA78}"/>
+                <a16:creationId xmlns:a16="http://schemas.microsoft.com/office/drawing/2014/main" id="{A143E622-9A0F-F97B-669B-D2D172128BB8}"/>
               </a:ext>
             </a:extLst>
           </p:cNvPr>
@@ -658,7 +658,7 @@
           <a:bodyPr/>
           <a:lstStyle/>
           <a:p>
-            <a:fld id="{E7060479-D5E1-4F84-A14D-300A39CF2BCF}" type="datetimeFigureOut">
+            <a:fld id="{B0ADADDF-C079-4DCF-8664-5780F1C0250F}" type="datetimeFigureOut">
               <a:rPr lang="zh-CN" altLang="en-US" smtClean="0"/>
               <a:t>2024/3/10</a:t>
             </a:fld>
@@ -671,7 +671,7 @@
           <p:cNvPr id="5" name="页脚占位符 4">
             <a:extLst>
               <a:ext uri="{FF2B5EF4-FFF2-40B4-BE49-F238E27FC236}">
-                <a16:creationId xmlns:a16="http://schemas.microsoft.com/office/drawing/2014/main" id="{6B05041D-6C59-6453-FE06-4D025D10C16F}"/>
+                <a16:creationId xmlns:a16="http://schemas.microsoft.com/office/drawing/2014/main" id="{84919F2D-D8CB-B2B9-B640-5B2A78BA82E6}"/>
               </a:ext>
             </a:extLst>
           </p:cNvPr>
@@ -696,7 +696,7 @@
           <p:cNvPr id="6" name="灯片编号占位符 5">
             <a:extLst>
               <a:ext uri="{FF2B5EF4-FFF2-40B4-BE49-F238E27FC236}">
-                <a16:creationId xmlns:a16="http://schemas.microsoft.com/office/drawing/2014/main" id="{89F5772C-263B-F306-D85A-47D501838320}"/>
+                <a16:creationId xmlns:a16="http://schemas.microsoft.com/office/drawing/2014/main" id="{68FAFB80-A7C8-4A80-8D44-306B5692CA05}"/>
               </a:ext>
             </a:extLst>
           </p:cNvPr>
@@ -712,7 +712,7 @@
           <a:bodyPr/>
           <a:lstStyle/>
           <a:p>
-            <a:fld id="{83960BAF-8259-42CF-BFAD-F8A63A28FCEF}" type="slidenum">
+            <a:fld id="{4E0C23A7-FD5B-4BDF-9598-E395A351227F}" type="slidenum">
               <a:rPr lang="zh-CN" altLang="en-US" smtClean="0"/>
               <a:t>‹#›</a:t>
             </a:fld>
@@ -723,7 +723,7 @@
     </p:spTree>
     <p:extLst>
       <p:ext uri="{BB962C8B-B14F-4D97-AF65-F5344CB8AC3E}">
-        <p14:creationId xmlns:p14="http://schemas.microsoft.com/office/powerpoint/2010/main" val="1593774865"/>
+        <p14:creationId xmlns:p14="http://schemas.microsoft.com/office/powerpoint/2010/main" val="3011915958"/>
       </p:ext>
     </p:extLst>
   </p:cSld>
@@ -755,7 +755,7 @@
           <p:cNvPr id="2" name="标题 1">
             <a:extLst>
               <a:ext uri="{FF2B5EF4-FFF2-40B4-BE49-F238E27FC236}">
-                <a16:creationId xmlns:a16="http://schemas.microsoft.com/office/drawing/2014/main" id="{43656204-96F2-6FE1-9301-0456981D3C1A}"/>
+                <a16:creationId xmlns:a16="http://schemas.microsoft.com/office/drawing/2014/main" id="{E3EDC817-F88F-4D92-6FEF-2C56889B075A}"/>
               </a:ext>
             </a:extLst>
           </p:cNvPr>
@@ -783,7 +783,7 @@
           <p:cNvPr id="3" name="内容占位符 2">
             <a:extLst>
               <a:ext uri="{FF2B5EF4-FFF2-40B4-BE49-F238E27FC236}">
-                <a16:creationId xmlns:a16="http://schemas.microsoft.com/office/drawing/2014/main" id="{8ACEC6B1-2AA2-145A-646C-D1C539DC0272}"/>
+                <a16:creationId xmlns:a16="http://schemas.microsoft.com/office/drawing/2014/main" id="{6237CF40-8E72-1CCE-6C06-A54534E5CD4E}"/>
               </a:ext>
             </a:extLst>
           </p:cNvPr>
@@ -840,7 +840,7 @@
           <p:cNvPr id="4" name="日期占位符 3">
             <a:extLst>
               <a:ext uri="{FF2B5EF4-FFF2-40B4-BE49-F238E27FC236}">
-                <a16:creationId xmlns:a16="http://schemas.microsoft.com/office/drawing/2014/main" id="{EB4F14B5-30C1-147F-65C4-B4CE32C0BBD9}"/>
+                <a16:creationId xmlns:a16="http://schemas.microsoft.com/office/drawing/2014/main" id="{5F2552C0-2211-CFD9-AD52-C0CF62C0269B}"/>
               </a:ext>
             </a:extLst>
           </p:cNvPr>
@@ -856,7 +856,7 @@
           <a:bodyPr/>
           <a:lstStyle/>
           <a:p>
-            <a:fld id="{E7060479-D5E1-4F84-A14D-300A39CF2BCF}" type="datetimeFigureOut">
+            <a:fld id="{B0ADADDF-C079-4DCF-8664-5780F1C0250F}" type="datetimeFigureOut">
               <a:rPr lang="zh-CN" altLang="en-US" smtClean="0"/>
               <a:t>2024/3/10</a:t>
             </a:fld>
@@ -869,7 +869,7 @@
           <p:cNvPr id="5" name="页脚占位符 4">
             <a:extLst>
               <a:ext uri="{FF2B5EF4-FFF2-40B4-BE49-F238E27FC236}">
-                <a16:creationId xmlns:a16="http://schemas.microsoft.com/office/drawing/2014/main" id="{58276A2B-CBB4-1D55-EE9D-7BB62F3A0944}"/>
+                <a16:creationId xmlns:a16="http://schemas.microsoft.com/office/drawing/2014/main" id="{A940D275-664D-C4B6-AA73-7D30FA56AF30}"/>
               </a:ext>
             </a:extLst>
           </p:cNvPr>
@@ -894,7 +894,7 @@
           <p:cNvPr id="6" name="灯片编号占位符 5">
             <a:extLst>
               <a:ext uri="{FF2B5EF4-FFF2-40B4-BE49-F238E27FC236}">
-                <a16:creationId xmlns:a16="http://schemas.microsoft.com/office/drawing/2014/main" id="{AB815901-1F86-3AFE-2B53-B115314EA38A}"/>
+                <a16:creationId xmlns:a16="http://schemas.microsoft.com/office/drawing/2014/main" id="{7E3311D0-791B-A977-A9B6-337A72321653}"/>
               </a:ext>
             </a:extLst>
           </p:cNvPr>
@@ -910,7 +910,7 @@
           <a:bodyPr/>
           <a:lstStyle/>
           <a:p>
-            <a:fld id="{83960BAF-8259-42CF-BFAD-F8A63A28FCEF}" type="slidenum">
+            <a:fld id="{4E0C23A7-FD5B-4BDF-9598-E395A351227F}" type="slidenum">
               <a:rPr lang="zh-CN" altLang="en-US" smtClean="0"/>
               <a:t>‹#›</a:t>
             </a:fld>
@@ -921,7 +921,7 @@
     </p:spTree>
     <p:extLst>
       <p:ext uri="{BB962C8B-B14F-4D97-AF65-F5344CB8AC3E}">
-        <p14:creationId xmlns:p14="http://schemas.microsoft.com/office/powerpoint/2010/main" val="3053922419"/>
+        <p14:creationId xmlns:p14="http://schemas.microsoft.com/office/powerpoint/2010/main" val="1272266735"/>
       </p:ext>
     </p:extLst>
   </p:cSld>
@@ -953,7 +953,7 @@
           <p:cNvPr id="2" name="标题 1">
             <a:extLst>
               <a:ext uri="{FF2B5EF4-FFF2-40B4-BE49-F238E27FC236}">
-                <a16:creationId xmlns:a16="http://schemas.microsoft.com/office/drawing/2014/main" id="{4FB6A1A5-9CB6-272C-40FE-4698F15278C8}"/>
+                <a16:creationId xmlns:a16="http://schemas.microsoft.com/office/drawing/2014/main" id="{917A4DC3-A9DB-1907-6ECB-4C5A17D60853}"/>
               </a:ext>
             </a:extLst>
           </p:cNvPr>
@@ -990,7 +990,7 @@
           <p:cNvPr id="3" name="文本占位符 2">
             <a:extLst>
               <a:ext uri="{FF2B5EF4-FFF2-40B4-BE49-F238E27FC236}">
-                <a16:creationId xmlns:a16="http://schemas.microsoft.com/office/drawing/2014/main" id="{330C3707-F5D4-8C85-C67D-4FCC034556EC}"/>
+                <a16:creationId xmlns:a16="http://schemas.microsoft.com/office/drawing/2014/main" id="{4CC157A6-9562-26B1-CA9B-86AD99675950}"/>
               </a:ext>
             </a:extLst>
           </p:cNvPr>
@@ -1115,7 +1115,7 @@
           <p:cNvPr id="4" name="日期占位符 3">
             <a:extLst>
               <a:ext uri="{FF2B5EF4-FFF2-40B4-BE49-F238E27FC236}">
-                <a16:creationId xmlns:a16="http://schemas.microsoft.com/office/drawing/2014/main" id="{CD3AC5F7-D60E-6780-F6F2-ADA6C059386A}"/>
+                <a16:creationId xmlns:a16="http://schemas.microsoft.com/office/drawing/2014/main" id="{37657207-48CB-38D9-1035-DC8860B96B59}"/>
               </a:ext>
             </a:extLst>
           </p:cNvPr>
@@ -1131,7 +1131,7 @@
           <a:bodyPr/>
           <a:lstStyle/>
           <a:p>
-            <a:fld id="{E7060479-D5E1-4F84-A14D-300A39CF2BCF}" type="datetimeFigureOut">
+            <a:fld id="{B0ADADDF-C079-4DCF-8664-5780F1C0250F}" type="datetimeFigureOut">
               <a:rPr lang="zh-CN" altLang="en-US" smtClean="0"/>
               <a:t>2024/3/10</a:t>
             </a:fld>
@@ -1144,7 +1144,7 @@
           <p:cNvPr id="5" name="页脚占位符 4">
             <a:extLst>
               <a:ext uri="{FF2B5EF4-FFF2-40B4-BE49-F238E27FC236}">
-                <a16:creationId xmlns:a16="http://schemas.microsoft.com/office/drawing/2014/main" id="{C523A3D9-81AD-EF14-0C33-7AD9FAB1EB00}"/>
+                <a16:creationId xmlns:a16="http://schemas.microsoft.com/office/drawing/2014/main" id="{B50D11F3-7665-2530-2760-C1F96B778E8A}"/>
               </a:ext>
             </a:extLst>
           </p:cNvPr>
@@ -1169,7 +1169,7 @@
           <p:cNvPr id="6" name="灯片编号占位符 5">
             <a:extLst>
               <a:ext uri="{FF2B5EF4-FFF2-40B4-BE49-F238E27FC236}">
-                <a16:creationId xmlns:a16="http://schemas.microsoft.com/office/drawing/2014/main" id="{55B668C5-57DF-8CAC-FE6B-4F415F22DC7B}"/>
+                <a16:creationId xmlns:a16="http://schemas.microsoft.com/office/drawing/2014/main" id="{4C649A83-C9F9-A7A3-7930-DC284340E0B8}"/>
               </a:ext>
             </a:extLst>
           </p:cNvPr>
@@ -1185,7 +1185,7 @@
           <a:bodyPr/>
           <a:lstStyle/>
           <a:p>
-            <a:fld id="{83960BAF-8259-42CF-BFAD-F8A63A28FCEF}" type="slidenum">
+            <a:fld id="{4E0C23A7-FD5B-4BDF-9598-E395A351227F}" type="slidenum">
               <a:rPr lang="zh-CN" altLang="en-US" smtClean="0"/>
               <a:t>‹#›</a:t>
             </a:fld>
@@ -1196,7 +1196,7 @@
     </p:spTree>
     <p:extLst>
       <p:ext uri="{BB962C8B-B14F-4D97-AF65-F5344CB8AC3E}">
-        <p14:creationId xmlns:p14="http://schemas.microsoft.com/office/powerpoint/2010/main" val="2910229889"/>
+        <p14:creationId xmlns:p14="http://schemas.microsoft.com/office/powerpoint/2010/main" val="1011461303"/>
       </p:ext>
     </p:extLst>
   </p:cSld>
@@ -1228,7 +1228,7 @@
           <p:cNvPr id="2" name="标题 1">
             <a:extLst>
               <a:ext uri="{FF2B5EF4-FFF2-40B4-BE49-F238E27FC236}">
-                <a16:creationId xmlns:a16="http://schemas.microsoft.com/office/drawing/2014/main" id="{AB7172E7-0A10-5BDF-A06E-B9B87DF6A02F}"/>
+                <a16:creationId xmlns:a16="http://schemas.microsoft.com/office/drawing/2014/main" id="{8FCA0549-306D-75A0-F373-A5E73765398E}"/>
               </a:ext>
             </a:extLst>
           </p:cNvPr>
@@ -1256,7 +1256,7 @@
           <p:cNvPr id="3" name="内容占位符 2">
             <a:extLst>
               <a:ext uri="{FF2B5EF4-FFF2-40B4-BE49-F238E27FC236}">
-                <a16:creationId xmlns:a16="http://schemas.microsoft.com/office/drawing/2014/main" id="{524551AE-A4E5-90B1-7C95-FD5327647B43}"/>
+                <a16:creationId xmlns:a16="http://schemas.microsoft.com/office/drawing/2014/main" id="{A99888EF-4B7A-DA92-7E5D-559C0707B708}"/>
               </a:ext>
             </a:extLst>
           </p:cNvPr>
@@ -1318,7 +1318,7 @@
           <p:cNvPr id="4" name="内容占位符 3">
             <a:extLst>
               <a:ext uri="{FF2B5EF4-FFF2-40B4-BE49-F238E27FC236}">
-                <a16:creationId xmlns:a16="http://schemas.microsoft.com/office/drawing/2014/main" id="{64FD276A-7086-741F-EE73-0ECA7E14126B}"/>
+                <a16:creationId xmlns:a16="http://schemas.microsoft.com/office/drawing/2014/main" id="{043C7D0F-AE39-1C92-8169-6E6433435DE0}"/>
               </a:ext>
             </a:extLst>
           </p:cNvPr>
@@ -1380,7 +1380,7 @@
           <p:cNvPr id="5" name="日期占位符 4">
             <a:extLst>
               <a:ext uri="{FF2B5EF4-FFF2-40B4-BE49-F238E27FC236}">
-                <a16:creationId xmlns:a16="http://schemas.microsoft.com/office/drawing/2014/main" id="{CF29F719-5BE5-7885-2E3C-8D6CE32728C4}"/>
+                <a16:creationId xmlns:a16="http://schemas.microsoft.com/office/drawing/2014/main" id="{088F25BB-8F5F-5798-B8CD-AAB7A6050550}"/>
               </a:ext>
             </a:extLst>
           </p:cNvPr>
@@ -1396,7 +1396,7 @@
           <a:bodyPr/>
           <a:lstStyle/>
           <a:p>
-            <a:fld id="{E7060479-D5E1-4F84-A14D-300A39CF2BCF}" type="datetimeFigureOut">
+            <a:fld id="{B0ADADDF-C079-4DCF-8664-5780F1C0250F}" type="datetimeFigureOut">
               <a:rPr lang="zh-CN" altLang="en-US" smtClean="0"/>
               <a:t>2024/3/10</a:t>
             </a:fld>
@@ -1409,7 +1409,7 @@
           <p:cNvPr id="6" name="页脚占位符 5">
             <a:extLst>
               <a:ext uri="{FF2B5EF4-FFF2-40B4-BE49-F238E27FC236}">
-                <a16:creationId xmlns:a16="http://schemas.microsoft.com/office/drawing/2014/main" id="{31EA88C1-2583-5BB4-C9AA-ED81EAA58036}"/>
+                <a16:creationId xmlns:a16="http://schemas.microsoft.com/office/drawing/2014/main" id="{ABC6D03B-F6D9-9ACB-A0A6-EB8E1E7951FC}"/>
               </a:ext>
             </a:extLst>
           </p:cNvPr>
@@ -1434,7 +1434,7 @@
           <p:cNvPr id="7" name="灯片编号占位符 6">
             <a:extLst>
               <a:ext uri="{FF2B5EF4-FFF2-40B4-BE49-F238E27FC236}">
-                <a16:creationId xmlns:a16="http://schemas.microsoft.com/office/drawing/2014/main" id="{6D5EB574-EA23-E90B-A78B-701A041F3C2A}"/>
+                <a16:creationId xmlns:a16="http://schemas.microsoft.com/office/drawing/2014/main" id="{618356B6-F091-32A9-A5DB-81E5BE7DC1F3}"/>
               </a:ext>
             </a:extLst>
           </p:cNvPr>
@@ -1450,7 +1450,7 @@
           <a:bodyPr/>
           <a:lstStyle/>
           <a:p>
-            <a:fld id="{83960BAF-8259-42CF-BFAD-F8A63A28FCEF}" type="slidenum">
+            <a:fld id="{4E0C23A7-FD5B-4BDF-9598-E395A351227F}" type="slidenum">
               <a:rPr lang="zh-CN" altLang="en-US" smtClean="0"/>
               <a:t>‹#›</a:t>
             </a:fld>
@@ -1461,7 +1461,7 @@
     </p:spTree>
     <p:extLst>
       <p:ext uri="{BB962C8B-B14F-4D97-AF65-F5344CB8AC3E}">
-        <p14:creationId xmlns:p14="http://schemas.microsoft.com/office/powerpoint/2010/main" val="3814878116"/>
+        <p14:creationId xmlns:p14="http://schemas.microsoft.com/office/powerpoint/2010/main" val="3042878702"/>
       </p:ext>
     </p:extLst>
   </p:cSld>
@@ -1493,7 +1493,7 @@
           <p:cNvPr id="2" name="标题 1">
             <a:extLst>
               <a:ext uri="{FF2B5EF4-FFF2-40B4-BE49-F238E27FC236}">
-                <a16:creationId xmlns:a16="http://schemas.microsoft.com/office/drawing/2014/main" id="{F1E790D7-E5CD-BF89-4E8B-39AEE313DF9A}"/>
+                <a16:creationId xmlns:a16="http://schemas.microsoft.com/office/drawing/2014/main" id="{5F1BF6D7-73CC-1D48-C627-304F5C6BD06B}"/>
               </a:ext>
             </a:extLst>
           </p:cNvPr>
@@ -1526,7 +1526,7 @@
           <p:cNvPr id="3" name="文本占位符 2">
             <a:extLst>
               <a:ext uri="{FF2B5EF4-FFF2-40B4-BE49-F238E27FC236}">
-                <a16:creationId xmlns:a16="http://schemas.microsoft.com/office/drawing/2014/main" id="{B08CFE1F-FE91-80E5-57B6-8B5BEA29D42F}"/>
+                <a16:creationId xmlns:a16="http://schemas.microsoft.com/office/drawing/2014/main" id="{84AA9C04-2023-10BD-112A-6932EE1B31C1}"/>
               </a:ext>
             </a:extLst>
           </p:cNvPr>
@@ -1597,7 +1597,7 @@
           <p:cNvPr id="4" name="内容占位符 3">
             <a:extLst>
               <a:ext uri="{FF2B5EF4-FFF2-40B4-BE49-F238E27FC236}">
-                <a16:creationId xmlns:a16="http://schemas.microsoft.com/office/drawing/2014/main" id="{FC73581B-9E5E-9A9A-6DEC-DF3966B77BDE}"/>
+                <a16:creationId xmlns:a16="http://schemas.microsoft.com/office/drawing/2014/main" id="{5BAA4D4C-AB26-4687-AC97-BC07448EEDB8}"/>
               </a:ext>
             </a:extLst>
           </p:cNvPr>
@@ -1659,7 +1659,7 @@
           <p:cNvPr id="5" name="文本占位符 4">
             <a:extLst>
               <a:ext uri="{FF2B5EF4-FFF2-40B4-BE49-F238E27FC236}">
-                <a16:creationId xmlns:a16="http://schemas.microsoft.com/office/drawing/2014/main" id="{DAD4DC96-F150-F116-0019-EF70D87B2F14}"/>
+                <a16:creationId xmlns:a16="http://schemas.microsoft.com/office/drawing/2014/main" id="{D35640F0-F54A-F56B-4BB6-F75B9594527F}"/>
               </a:ext>
             </a:extLst>
           </p:cNvPr>
@@ -1730,7 +1730,7 @@
           <p:cNvPr id="6" name="内容占位符 5">
             <a:extLst>
               <a:ext uri="{FF2B5EF4-FFF2-40B4-BE49-F238E27FC236}">
-                <a16:creationId xmlns:a16="http://schemas.microsoft.com/office/drawing/2014/main" id="{D7CC2F73-C37A-FD07-F81E-B9FD874F0460}"/>
+                <a16:creationId xmlns:a16="http://schemas.microsoft.com/office/drawing/2014/main" id="{26BD2039-95D5-F7F5-4142-BE065418B7A7}"/>
               </a:ext>
             </a:extLst>
           </p:cNvPr>
@@ -1792,7 +1792,7 @@
           <p:cNvPr id="7" name="日期占位符 6">
             <a:extLst>
               <a:ext uri="{FF2B5EF4-FFF2-40B4-BE49-F238E27FC236}">
-                <a16:creationId xmlns:a16="http://schemas.microsoft.com/office/drawing/2014/main" id="{43088370-76E0-AC16-C91C-691230066ABB}"/>
+                <a16:creationId xmlns:a16="http://schemas.microsoft.com/office/drawing/2014/main" id="{5813F40A-FA0D-0DEA-E3B9-244A11C1BE75}"/>
               </a:ext>
             </a:extLst>
           </p:cNvPr>
@@ -1808,7 +1808,7 @@
           <a:bodyPr/>
           <a:lstStyle/>
           <a:p>
-            <a:fld id="{E7060479-D5E1-4F84-A14D-300A39CF2BCF}" type="datetimeFigureOut">
+            <a:fld id="{B0ADADDF-C079-4DCF-8664-5780F1C0250F}" type="datetimeFigureOut">
               <a:rPr lang="zh-CN" altLang="en-US" smtClean="0"/>
               <a:t>2024/3/10</a:t>
             </a:fld>
@@ -1821,7 +1821,7 @@
           <p:cNvPr id="8" name="页脚占位符 7">
             <a:extLst>
               <a:ext uri="{FF2B5EF4-FFF2-40B4-BE49-F238E27FC236}">
-                <a16:creationId xmlns:a16="http://schemas.microsoft.com/office/drawing/2014/main" id="{CC1DA8BA-C97A-022B-6396-1012F73E35C4}"/>
+                <a16:creationId xmlns:a16="http://schemas.microsoft.com/office/drawing/2014/main" id="{535AD856-769B-FF01-ACD9-58341D01B908}"/>
               </a:ext>
             </a:extLst>
           </p:cNvPr>
@@ -1846,7 +1846,7 @@
           <p:cNvPr id="9" name="灯片编号占位符 8">
             <a:extLst>
               <a:ext uri="{FF2B5EF4-FFF2-40B4-BE49-F238E27FC236}">
-                <a16:creationId xmlns:a16="http://schemas.microsoft.com/office/drawing/2014/main" id="{0E9D88DA-89A9-7523-08A6-2DBCAE4BAA53}"/>
+                <a16:creationId xmlns:a16="http://schemas.microsoft.com/office/drawing/2014/main" id="{950D68E6-5015-CF36-F6B5-871CBD85E83C}"/>
               </a:ext>
             </a:extLst>
           </p:cNvPr>
@@ -1862,7 +1862,7 @@
           <a:bodyPr/>
           <a:lstStyle/>
           <a:p>
-            <a:fld id="{83960BAF-8259-42CF-BFAD-F8A63A28FCEF}" type="slidenum">
+            <a:fld id="{4E0C23A7-FD5B-4BDF-9598-E395A351227F}" type="slidenum">
               <a:rPr lang="zh-CN" altLang="en-US" smtClean="0"/>
               <a:t>‹#›</a:t>
             </a:fld>
@@ -1873,7 +1873,7 @@
     </p:spTree>
     <p:extLst>
       <p:ext uri="{BB962C8B-B14F-4D97-AF65-F5344CB8AC3E}">
-        <p14:creationId xmlns:p14="http://schemas.microsoft.com/office/powerpoint/2010/main" val="1877229705"/>
+        <p14:creationId xmlns:p14="http://schemas.microsoft.com/office/powerpoint/2010/main" val="1884513333"/>
       </p:ext>
     </p:extLst>
   </p:cSld>
@@ -1905,7 +1905,7 @@
           <p:cNvPr id="2" name="标题 1">
             <a:extLst>
               <a:ext uri="{FF2B5EF4-FFF2-40B4-BE49-F238E27FC236}">
-                <a16:creationId xmlns:a16="http://schemas.microsoft.com/office/drawing/2014/main" id="{E14A170F-C07C-9A8D-710C-36B6A9E2BA40}"/>
+                <a16:creationId xmlns:a16="http://schemas.microsoft.com/office/drawing/2014/main" id="{EFE6663D-67B1-DA5A-13E8-FAF64BF11761}"/>
               </a:ext>
             </a:extLst>
           </p:cNvPr>
@@ -1933,7 +1933,7 @@
           <p:cNvPr id="3" name="日期占位符 2">
             <a:extLst>
               <a:ext uri="{FF2B5EF4-FFF2-40B4-BE49-F238E27FC236}">
-                <a16:creationId xmlns:a16="http://schemas.microsoft.com/office/drawing/2014/main" id="{A45F4EEA-DE8A-871C-AE7F-7C4C3F78B83A}"/>
+                <a16:creationId xmlns:a16="http://schemas.microsoft.com/office/drawing/2014/main" id="{51EC588D-3EA7-700C-8180-B7B5C58B1A91}"/>
               </a:ext>
             </a:extLst>
           </p:cNvPr>
@@ -1949,7 +1949,7 @@
           <a:bodyPr/>
           <a:lstStyle/>
           <a:p>
-            <a:fld id="{E7060479-D5E1-4F84-A14D-300A39CF2BCF}" type="datetimeFigureOut">
+            <a:fld id="{B0ADADDF-C079-4DCF-8664-5780F1C0250F}" type="datetimeFigureOut">
               <a:rPr lang="zh-CN" altLang="en-US" smtClean="0"/>
               <a:t>2024/3/10</a:t>
             </a:fld>
@@ -1962,7 +1962,7 @@
           <p:cNvPr id="4" name="页脚占位符 3">
             <a:extLst>
               <a:ext uri="{FF2B5EF4-FFF2-40B4-BE49-F238E27FC236}">
-                <a16:creationId xmlns:a16="http://schemas.microsoft.com/office/drawing/2014/main" id="{A4AF37C3-5AC7-712D-D1FD-48600D3CEC6B}"/>
+                <a16:creationId xmlns:a16="http://schemas.microsoft.com/office/drawing/2014/main" id="{328A4C6F-897F-7595-5B67-D5A111BF018A}"/>
               </a:ext>
             </a:extLst>
           </p:cNvPr>
@@ -1987,7 +1987,7 @@
           <p:cNvPr id="5" name="灯片编号占位符 4">
             <a:extLst>
               <a:ext uri="{FF2B5EF4-FFF2-40B4-BE49-F238E27FC236}">
-                <a16:creationId xmlns:a16="http://schemas.microsoft.com/office/drawing/2014/main" id="{6B16ACA7-1995-F2B5-CD63-7C3CCC4FF0A2}"/>
+                <a16:creationId xmlns:a16="http://schemas.microsoft.com/office/drawing/2014/main" id="{76943849-D216-4008-E17D-65825D5AF05B}"/>
               </a:ext>
             </a:extLst>
           </p:cNvPr>
@@ -2003,7 +2003,7 @@
           <a:bodyPr/>
           <a:lstStyle/>
           <a:p>
-            <a:fld id="{83960BAF-8259-42CF-BFAD-F8A63A28FCEF}" type="slidenum">
+            <a:fld id="{4E0C23A7-FD5B-4BDF-9598-E395A351227F}" type="slidenum">
               <a:rPr lang="zh-CN" altLang="en-US" smtClean="0"/>
               <a:t>‹#›</a:t>
             </a:fld>
@@ -2014,7 +2014,7 @@
     </p:spTree>
     <p:extLst>
       <p:ext uri="{BB962C8B-B14F-4D97-AF65-F5344CB8AC3E}">
-        <p14:creationId xmlns:p14="http://schemas.microsoft.com/office/powerpoint/2010/main" val="3668063382"/>
+        <p14:creationId xmlns:p14="http://schemas.microsoft.com/office/powerpoint/2010/main" val="2799642794"/>
       </p:ext>
     </p:extLst>
   </p:cSld>
@@ -2046,7 +2046,7 @@
           <p:cNvPr id="2" name="日期占位符 1">
             <a:extLst>
               <a:ext uri="{FF2B5EF4-FFF2-40B4-BE49-F238E27FC236}">
-                <a16:creationId xmlns:a16="http://schemas.microsoft.com/office/drawing/2014/main" id="{FCA53D81-3663-75D0-518B-3D5EFA0CD9E9}"/>
+                <a16:creationId xmlns:a16="http://schemas.microsoft.com/office/drawing/2014/main" id="{8BB4D74C-4AF2-16E0-F4AF-F618463A737A}"/>
               </a:ext>
             </a:extLst>
           </p:cNvPr>
@@ -2062,7 +2062,7 @@
           <a:bodyPr/>
           <a:lstStyle/>
           <a:p>
-            <a:fld id="{E7060479-D5E1-4F84-A14D-300A39CF2BCF}" type="datetimeFigureOut">
+            <a:fld id="{B0ADADDF-C079-4DCF-8664-5780F1C0250F}" type="datetimeFigureOut">
               <a:rPr lang="zh-CN" altLang="en-US" smtClean="0"/>
               <a:t>2024/3/10</a:t>
             </a:fld>
@@ -2075,7 +2075,7 @@
           <p:cNvPr id="3" name="页脚占位符 2">
             <a:extLst>
               <a:ext uri="{FF2B5EF4-FFF2-40B4-BE49-F238E27FC236}">
-                <a16:creationId xmlns:a16="http://schemas.microsoft.com/office/drawing/2014/main" id="{E49B191D-3C94-2DBA-00F8-E32B2CB24AF0}"/>
+                <a16:creationId xmlns:a16="http://schemas.microsoft.com/office/drawing/2014/main" id="{FAFA0A6B-9E86-A789-D72A-F6AFA3F1C9D8}"/>
               </a:ext>
             </a:extLst>
           </p:cNvPr>
@@ -2100,7 +2100,7 @@
           <p:cNvPr id="4" name="灯片编号占位符 3">
             <a:extLst>
               <a:ext uri="{FF2B5EF4-FFF2-40B4-BE49-F238E27FC236}">
-                <a16:creationId xmlns:a16="http://schemas.microsoft.com/office/drawing/2014/main" id="{B2250214-F527-AD7A-6A2D-8512F252B204}"/>
+                <a16:creationId xmlns:a16="http://schemas.microsoft.com/office/drawing/2014/main" id="{D0360044-354A-422F-6D02-45C77D792447}"/>
               </a:ext>
             </a:extLst>
           </p:cNvPr>
@@ -2116,7 +2116,7 @@
           <a:bodyPr/>
           <a:lstStyle/>
           <a:p>
-            <a:fld id="{83960BAF-8259-42CF-BFAD-F8A63A28FCEF}" type="slidenum">
+            <a:fld id="{4E0C23A7-FD5B-4BDF-9598-E395A351227F}" type="slidenum">
               <a:rPr lang="zh-CN" altLang="en-US" smtClean="0"/>
               <a:t>‹#›</a:t>
             </a:fld>
@@ -2127,7 +2127,7 @@
     </p:spTree>
     <p:extLst>
       <p:ext uri="{BB962C8B-B14F-4D97-AF65-F5344CB8AC3E}">
-        <p14:creationId xmlns:p14="http://schemas.microsoft.com/office/powerpoint/2010/main" val="200578313"/>
+        <p14:creationId xmlns:p14="http://schemas.microsoft.com/office/powerpoint/2010/main" val="2528719924"/>
       </p:ext>
     </p:extLst>
   </p:cSld>
@@ -2159,7 +2159,7 @@
           <p:cNvPr id="2" name="标题 1">
             <a:extLst>
               <a:ext uri="{FF2B5EF4-FFF2-40B4-BE49-F238E27FC236}">
-                <a16:creationId xmlns:a16="http://schemas.microsoft.com/office/drawing/2014/main" id="{4E711BDF-5088-ECF0-40D4-6DD3B644425D}"/>
+                <a16:creationId xmlns:a16="http://schemas.microsoft.com/office/drawing/2014/main" id="{4E898CB3-7802-5968-54B6-D647D5B04F33}"/>
               </a:ext>
             </a:extLst>
           </p:cNvPr>
@@ -2196,7 +2196,7 @@
           <p:cNvPr id="3" name="内容占位符 2">
             <a:extLst>
               <a:ext uri="{FF2B5EF4-FFF2-40B4-BE49-F238E27FC236}">
-                <a16:creationId xmlns:a16="http://schemas.microsoft.com/office/drawing/2014/main" id="{07C1AAD8-D919-8234-5ABB-8F700FEA5BA0}"/>
+                <a16:creationId xmlns:a16="http://schemas.microsoft.com/office/drawing/2014/main" id="{1D911237-E528-31E6-B8BD-C859B72D9B30}"/>
               </a:ext>
             </a:extLst>
           </p:cNvPr>
@@ -2286,7 +2286,7 @@
           <p:cNvPr id="4" name="文本占位符 3">
             <a:extLst>
               <a:ext uri="{FF2B5EF4-FFF2-40B4-BE49-F238E27FC236}">
-                <a16:creationId xmlns:a16="http://schemas.microsoft.com/office/drawing/2014/main" id="{B7BE07FE-682E-69CD-0CBC-8CDF7683E23E}"/>
+                <a16:creationId xmlns:a16="http://schemas.microsoft.com/office/drawing/2014/main" id="{76367AEF-5319-5C5F-7A0F-AACF1C2057E6}"/>
               </a:ext>
             </a:extLst>
           </p:cNvPr>
@@ -2357,7 +2357,7 @@
           <p:cNvPr id="5" name="日期占位符 4">
             <a:extLst>
               <a:ext uri="{FF2B5EF4-FFF2-40B4-BE49-F238E27FC236}">
-                <a16:creationId xmlns:a16="http://schemas.microsoft.com/office/drawing/2014/main" id="{1F52C889-F4D8-CEAB-9FB7-C5F96DD8E33D}"/>
+                <a16:creationId xmlns:a16="http://schemas.microsoft.com/office/drawing/2014/main" id="{68FB53D3-003A-CE4B-2FED-A6104E3F81E1}"/>
               </a:ext>
             </a:extLst>
           </p:cNvPr>
@@ -2373,7 +2373,7 @@
           <a:bodyPr/>
           <a:lstStyle/>
           <a:p>
-            <a:fld id="{E7060479-D5E1-4F84-A14D-300A39CF2BCF}" type="datetimeFigureOut">
+            <a:fld id="{B0ADADDF-C079-4DCF-8664-5780F1C0250F}" type="datetimeFigureOut">
               <a:rPr lang="zh-CN" altLang="en-US" smtClean="0"/>
               <a:t>2024/3/10</a:t>
             </a:fld>
@@ -2386,7 +2386,7 @@
           <p:cNvPr id="6" name="页脚占位符 5">
             <a:extLst>
               <a:ext uri="{FF2B5EF4-FFF2-40B4-BE49-F238E27FC236}">
-                <a16:creationId xmlns:a16="http://schemas.microsoft.com/office/drawing/2014/main" id="{8445F527-0B4F-A76F-A1CC-D9D2E3EF3F63}"/>
+                <a16:creationId xmlns:a16="http://schemas.microsoft.com/office/drawing/2014/main" id="{E2AFD6C7-24A5-A57B-2550-E57143B3B4A3}"/>
               </a:ext>
             </a:extLst>
           </p:cNvPr>
@@ -2411,7 +2411,7 @@
           <p:cNvPr id="7" name="灯片编号占位符 6">
             <a:extLst>
               <a:ext uri="{FF2B5EF4-FFF2-40B4-BE49-F238E27FC236}">
-                <a16:creationId xmlns:a16="http://schemas.microsoft.com/office/drawing/2014/main" id="{E0307A79-59E2-9619-D1D3-8B668FB8E661}"/>
+                <a16:creationId xmlns:a16="http://schemas.microsoft.com/office/drawing/2014/main" id="{81C3DAB4-E3B1-BCF8-224D-A0153422E8D6}"/>
               </a:ext>
             </a:extLst>
           </p:cNvPr>
@@ -2427,7 +2427,7 @@
           <a:bodyPr/>
           <a:lstStyle/>
           <a:p>
-            <a:fld id="{83960BAF-8259-42CF-BFAD-F8A63A28FCEF}" type="slidenum">
+            <a:fld id="{4E0C23A7-FD5B-4BDF-9598-E395A351227F}" type="slidenum">
               <a:rPr lang="zh-CN" altLang="en-US" smtClean="0"/>
               <a:t>‹#›</a:t>
             </a:fld>
@@ -2438,7 +2438,7 @@
     </p:spTree>
     <p:extLst>
       <p:ext uri="{BB962C8B-B14F-4D97-AF65-F5344CB8AC3E}">
-        <p14:creationId xmlns:p14="http://schemas.microsoft.com/office/powerpoint/2010/main" val="2564603380"/>
+        <p14:creationId xmlns:p14="http://schemas.microsoft.com/office/powerpoint/2010/main" val="2115507674"/>
       </p:ext>
     </p:extLst>
   </p:cSld>
@@ -2470,7 +2470,7 @@
           <p:cNvPr id="2" name="标题 1">
             <a:extLst>
               <a:ext uri="{FF2B5EF4-FFF2-40B4-BE49-F238E27FC236}">
-                <a16:creationId xmlns:a16="http://schemas.microsoft.com/office/drawing/2014/main" id="{34B85913-EEBD-0A71-7F0F-F01B52E84F28}"/>
+                <a16:creationId xmlns:a16="http://schemas.microsoft.com/office/drawing/2014/main" id="{8ADCACE9-156C-F429-43AD-AD66988FAA7D}"/>
               </a:ext>
             </a:extLst>
           </p:cNvPr>
@@ -2507,7 +2507,7 @@
           <p:cNvPr id="3" name="图片占位符 2">
             <a:extLst>
               <a:ext uri="{FF2B5EF4-FFF2-40B4-BE49-F238E27FC236}">
-                <a16:creationId xmlns:a16="http://schemas.microsoft.com/office/drawing/2014/main" id="{F1E5C2B9-C10A-8A96-1391-3DAA074543A8}"/>
+                <a16:creationId xmlns:a16="http://schemas.microsoft.com/office/drawing/2014/main" id="{7A177CC5-CAC0-5100-129B-19292A8806EC}"/>
               </a:ext>
             </a:extLst>
           </p:cNvPr>
@@ -2574,7 +2574,7 @@
           <p:cNvPr id="4" name="文本占位符 3">
             <a:extLst>
               <a:ext uri="{FF2B5EF4-FFF2-40B4-BE49-F238E27FC236}">
-                <a16:creationId xmlns:a16="http://schemas.microsoft.com/office/drawing/2014/main" id="{F2AD1606-453B-B7A3-1AE5-9097626DB67C}"/>
+                <a16:creationId xmlns:a16="http://schemas.microsoft.com/office/drawing/2014/main" id="{4008DFB5-E35A-C4B2-1447-EFD23660B6FA}"/>
               </a:ext>
             </a:extLst>
           </p:cNvPr>
@@ -2645,7 +2645,7 @@
           <p:cNvPr id="5" name="日期占位符 4">
             <a:extLst>
               <a:ext uri="{FF2B5EF4-FFF2-40B4-BE49-F238E27FC236}">
-                <a16:creationId xmlns:a16="http://schemas.microsoft.com/office/drawing/2014/main" id="{C3DFC69C-C015-F56D-D7F4-50EDA8734E13}"/>
+                <a16:creationId xmlns:a16="http://schemas.microsoft.com/office/drawing/2014/main" id="{0E01A586-9012-E504-5CC3-5C26229B611F}"/>
               </a:ext>
             </a:extLst>
           </p:cNvPr>
@@ -2661,7 +2661,7 @@
           <a:bodyPr/>
           <a:lstStyle/>
           <a:p>
-            <a:fld id="{E7060479-D5E1-4F84-A14D-300A39CF2BCF}" type="datetimeFigureOut">
+            <a:fld id="{B0ADADDF-C079-4DCF-8664-5780F1C0250F}" type="datetimeFigureOut">
               <a:rPr lang="zh-CN" altLang="en-US" smtClean="0"/>
               <a:t>2024/3/10</a:t>
             </a:fld>
@@ -2674,7 +2674,7 @@
           <p:cNvPr id="6" name="页脚占位符 5">
             <a:extLst>
               <a:ext uri="{FF2B5EF4-FFF2-40B4-BE49-F238E27FC236}">
-                <a16:creationId xmlns:a16="http://schemas.microsoft.com/office/drawing/2014/main" id="{30132079-BC7A-E946-CD85-697DDFE3D3BA}"/>
+                <a16:creationId xmlns:a16="http://schemas.microsoft.com/office/drawing/2014/main" id="{82AF55A6-8C13-89E7-ACA9-6FE8925A13A4}"/>
               </a:ext>
             </a:extLst>
           </p:cNvPr>
@@ -2699,7 +2699,7 @@
           <p:cNvPr id="7" name="灯片编号占位符 6">
             <a:extLst>
               <a:ext uri="{FF2B5EF4-FFF2-40B4-BE49-F238E27FC236}">
-                <a16:creationId xmlns:a16="http://schemas.microsoft.com/office/drawing/2014/main" id="{C17A4B0C-A804-3B6B-3AA0-82122A6871E0}"/>
+                <a16:creationId xmlns:a16="http://schemas.microsoft.com/office/drawing/2014/main" id="{5007D35A-4685-C0FD-7EB6-E3319CC7061C}"/>
               </a:ext>
             </a:extLst>
           </p:cNvPr>
@@ -2715,7 +2715,7 @@
           <a:bodyPr/>
           <a:lstStyle/>
           <a:p>
-            <a:fld id="{83960BAF-8259-42CF-BFAD-F8A63A28FCEF}" type="slidenum">
+            <a:fld id="{4E0C23A7-FD5B-4BDF-9598-E395A351227F}" type="slidenum">
               <a:rPr lang="zh-CN" altLang="en-US" smtClean="0"/>
               <a:t>‹#›</a:t>
             </a:fld>
@@ -2726,7 +2726,7 @@
     </p:spTree>
     <p:extLst>
       <p:ext uri="{BB962C8B-B14F-4D97-AF65-F5344CB8AC3E}">
-        <p14:creationId xmlns:p14="http://schemas.microsoft.com/office/powerpoint/2010/main" val="4036083474"/>
+        <p14:creationId xmlns:p14="http://schemas.microsoft.com/office/powerpoint/2010/main" val="736647145"/>
       </p:ext>
     </p:extLst>
   </p:cSld>
@@ -2763,7 +2763,7 @@
           <p:cNvPr id="2" name="标题占位符 1">
             <a:extLst>
               <a:ext uri="{FF2B5EF4-FFF2-40B4-BE49-F238E27FC236}">
-                <a16:creationId xmlns:a16="http://schemas.microsoft.com/office/drawing/2014/main" id="{41E0013D-C7EB-07F7-BB28-FCCED22EAD50}"/>
+                <a16:creationId xmlns:a16="http://schemas.microsoft.com/office/drawing/2014/main" id="{FF812FFC-C35D-97A0-CC44-15BDF5E7196F}"/>
               </a:ext>
             </a:extLst>
           </p:cNvPr>
@@ -2801,7 +2801,7 @@
           <p:cNvPr id="3" name="文本占位符 2">
             <a:extLst>
               <a:ext uri="{FF2B5EF4-FFF2-40B4-BE49-F238E27FC236}">
-                <a16:creationId xmlns:a16="http://schemas.microsoft.com/office/drawing/2014/main" id="{9C3F62B2-DA71-3509-E3F1-B8F8974B029D}"/>
+                <a16:creationId xmlns:a16="http://schemas.microsoft.com/office/drawing/2014/main" id="{04A5D1C9-9C2E-20DF-A5E3-9730DF228ABB}"/>
               </a:ext>
             </a:extLst>
           </p:cNvPr>
@@ -2868,7 +2868,7 @@
           <p:cNvPr id="4" name="日期占位符 3">
             <a:extLst>
               <a:ext uri="{FF2B5EF4-FFF2-40B4-BE49-F238E27FC236}">
-                <a16:creationId xmlns:a16="http://schemas.microsoft.com/office/drawing/2014/main" id="{73CDFCEF-1ADE-A4C5-1117-A703874DDB3A}"/>
+                <a16:creationId xmlns:a16="http://schemas.microsoft.com/office/drawing/2014/main" id="{9C33A8D6-EAEA-44B8-A1A9-6408E61BD6D2}"/>
               </a:ext>
             </a:extLst>
           </p:cNvPr>
@@ -2902,7 +2902,7 @@
             </a:lvl1pPr>
           </a:lstStyle>
           <a:p>
-            <a:fld id="{E7060479-D5E1-4F84-A14D-300A39CF2BCF}" type="datetimeFigureOut">
+            <a:fld id="{B0ADADDF-C079-4DCF-8664-5780F1C0250F}" type="datetimeFigureOut">
               <a:rPr lang="zh-CN" altLang="en-US" smtClean="0"/>
               <a:t>2024/3/10</a:t>
             </a:fld>
@@ -2915,7 +2915,7 @@
           <p:cNvPr id="5" name="页脚占位符 4">
             <a:extLst>
               <a:ext uri="{FF2B5EF4-FFF2-40B4-BE49-F238E27FC236}">
-                <a16:creationId xmlns:a16="http://schemas.microsoft.com/office/drawing/2014/main" id="{34BCDA63-E085-E68C-7234-6BAEEF87E7A3}"/>
+                <a16:creationId xmlns:a16="http://schemas.microsoft.com/office/drawing/2014/main" id="{921A549B-AC14-5C37-C8CA-1204F312C8FB}"/>
               </a:ext>
             </a:extLst>
           </p:cNvPr>
@@ -2958,7 +2958,7 @@
           <p:cNvPr id="6" name="灯片编号占位符 5">
             <a:extLst>
               <a:ext uri="{FF2B5EF4-FFF2-40B4-BE49-F238E27FC236}">
-                <a16:creationId xmlns:a16="http://schemas.microsoft.com/office/drawing/2014/main" id="{8F2CA270-8030-1BC3-5D39-A568899FC1D3}"/>
+                <a16:creationId xmlns:a16="http://schemas.microsoft.com/office/drawing/2014/main" id="{2C56153B-C9F2-46DA-50A1-0795E0345D23}"/>
               </a:ext>
             </a:extLst>
           </p:cNvPr>
@@ -2992,7 +2992,7 @@
             </a:lvl1pPr>
           </a:lstStyle>
           <a:p>
-            <a:fld id="{83960BAF-8259-42CF-BFAD-F8A63A28FCEF}" type="slidenum">
+            <a:fld id="{4E0C23A7-FD5B-4BDF-9598-E395A351227F}" type="slidenum">
               <a:rPr lang="zh-CN" altLang="en-US" smtClean="0"/>
               <a:t>‹#›</a:t>
             </a:fld>
@@ -3003,7 +3003,7 @@
     </p:spTree>
     <p:extLst>
       <p:ext uri="{BB962C8B-B14F-4D97-AF65-F5344CB8AC3E}">
-        <p14:creationId xmlns:p14="http://schemas.microsoft.com/office/powerpoint/2010/main" val="2372092427"/>
+        <p14:creationId xmlns:p14="http://schemas.microsoft.com/office/powerpoint/2010/main" val="1737048693"/>
       </p:ext>
     </p:extLst>
   </p:cSld>
@@ -3323,7 +3323,7 @@
       </p:grpSpPr>
       <p:pic>
         <p:nvPicPr>
-          <p:cNvPr id="824322" name="Picture 2" descr="804"/>
+          <p:cNvPr id="825346" name="Picture 2" descr="805"/>
           <p:cNvPicPr>
             <a:picLocks noChangeAspect="1" noChangeArrowheads="1"/>
           </p:cNvPicPr>
